--- a/presentation/presentation.pptx
+++ b/presentation/presentation.pptx
@@ -6,8 +6,13 @@
   </p:sldMasterIdLst>
   <p:sldIdLst>
     <p:sldId id="256" r:id="rId2"/>
-    <p:sldId id="257" r:id="rId3"/>
-    <p:sldId id="258" r:id="rId4"/>
+    <p:sldId id="263" r:id="rId3"/>
+    <p:sldId id="257" r:id="rId4"/>
+    <p:sldId id="259" r:id="rId5"/>
+    <p:sldId id="258" r:id="rId6"/>
+    <p:sldId id="260" r:id="rId7"/>
+    <p:sldId id="261" r:id="rId8"/>
+    <p:sldId id="262" r:id="rId9"/>
   </p:sldIdLst>
   <p:sldSz cx="9144000" cy="5715000" type="screen16x10"/>
   <p:notesSz cx="6858000" cy="9144000"/>
@@ -290,7 +295,7 @@
           <a:p>
             <a:fld id="{D06333BA-CCA6-5B4B-A4DC-996825B44506}" type="datetimeFigureOut">
               <a:rPr lang="fr-FR" smtClean="0"/>
-              <a:t>16-03-08</a:t>
+              <a:t>16-03-16</a:t>
             </a:fld>
             <a:endParaRPr lang="fr-FR"/>
           </a:p>
@@ -460,7 +465,7 @@
           <a:p>
             <a:fld id="{D06333BA-CCA6-5B4B-A4DC-996825B44506}" type="datetimeFigureOut">
               <a:rPr lang="fr-FR" smtClean="0"/>
-              <a:t>16-03-08</a:t>
+              <a:t>16-03-16</a:t>
             </a:fld>
             <a:endParaRPr lang="fr-FR"/>
           </a:p>
@@ -640,7 +645,7 @@
           <a:p>
             <a:fld id="{D06333BA-CCA6-5B4B-A4DC-996825B44506}" type="datetimeFigureOut">
               <a:rPr lang="fr-FR" smtClean="0"/>
-              <a:t>16-03-08</a:t>
+              <a:t>16-03-16</a:t>
             </a:fld>
             <a:endParaRPr lang="fr-FR"/>
           </a:p>
@@ -810,7 +815,7 @@
           <a:p>
             <a:fld id="{D06333BA-CCA6-5B4B-A4DC-996825B44506}" type="datetimeFigureOut">
               <a:rPr lang="fr-FR" smtClean="0"/>
-              <a:t>16-03-08</a:t>
+              <a:t>16-03-16</a:t>
             </a:fld>
             <a:endParaRPr lang="fr-FR"/>
           </a:p>
@@ -1056,7 +1061,7 @@
           <a:p>
             <a:fld id="{D06333BA-CCA6-5B4B-A4DC-996825B44506}" type="datetimeFigureOut">
               <a:rPr lang="fr-FR" smtClean="0"/>
-              <a:t>16-03-08</a:t>
+              <a:t>16-03-16</a:t>
             </a:fld>
             <a:endParaRPr lang="fr-FR"/>
           </a:p>
@@ -1344,7 +1349,7 @@
           <a:p>
             <a:fld id="{D06333BA-CCA6-5B4B-A4DC-996825B44506}" type="datetimeFigureOut">
               <a:rPr lang="fr-FR" smtClean="0"/>
-              <a:t>16-03-08</a:t>
+              <a:t>16-03-16</a:t>
             </a:fld>
             <a:endParaRPr lang="fr-FR"/>
           </a:p>
@@ -1766,7 +1771,7 @@
           <a:p>
             <a:fld id="{D06333BA-CCA6-5B4B-A4DC-996825B44506}" type="datetimeFigureOut">
               <a:rPr lang="fr-FR" smtClean="0"/>
-              <a:t>16-03-08</a:t>
+              <a:t>16-03-16</a:t>
             </a:fld>
             <a:endParaRPr lang="fr-FR"/>
           </a:p>
@@ -1884,7 +1889,7 @@
           <a:p>
             <a:fld id="{D06333BA-CCA6-5B4B-A4DC-996825B44506}" type="datetimeFigureOut">
               <a:rPr lang="fr-FR" smtClean="0"/>
-              <a:t>16-03-08</a:t>
+              <a:t>16-03-16</a:t>
             </a:fld>
             <a:endParaRPr lang="fr-FR"/>
           </a:p>
@@ -1979,7 +1984,7 @@
           <a:p>
             <a:fld id="{D06333BA-CCA6-5B4B-A4DC-996825B44506}" type="datetimeFigureOut">
               <a:rPr lang="fr-FR" smtClean="0"/>
-              <a:t>16-03-08</a:t>
+              <a:t>16-03-16</a:t>
             </a:fld>
             <a:endParaRPr lang="fr-FR"/>
           </a:p>
@@ -2256,7 +2261,7 @@
           <a:p>
             <a:fld id="{D06333BA-CCA6-5B4B-A4DC-996825B44506}" type="datetimeFigureOut">
               <a:rPr lang="fr-FR" smtClean="0"/>
-              <a:t>16-03-08</a:t>
+              <a:t>16-03-16</a:t>
             </a:fld>
             <a:endParaRPr lang="fr-FR"/>
           </a:p>
@@ -2509,7 +2514,7 @@
           <a:p>
             <a:fld id="{D06333BA-CCA6-5B4B-A4DC-996825B44506}" type="datetimeFigureOut">
               <a:rPr lang="fr-FR" smtClean="0"/>
-              <a:t>16-03-08</a:t>
+              <a:t>16-03-16</a:t>
             </a:fld>
             <a:endParaRPr lang="fr-FR"/>
           </a:p>
@@ -2722,7 +2727,7 @@
           <a:p>
             <a:fld id="{D06333BA-CCA6-5B4B-A4DC-996825B44506}" type="datetimeFigureOut">
               <a:rPr lang="fr-FR" smtClean="0"/>
-              <a:t>16-03-08</a:t>
+              <a:t>16-03-16</a:t>
             </a:fld>
             <a:endParaRPr lang="fr-FR"/>
           </a:p>
@@ -3113,10 +3118,10 @@
           <a:lstStyle/>
           <a:p>
             <a:r>
-              <a:rPr lang="en-CA" smtClean="0"/>
+              <a:rPr lang="en-CA" dirty="0" smtClean="0"/>
               <a:t>Gulp</a:t>
             </a:r>
-            <a:endParaRPr lang="en-CA"/>
+            <a:endParaRPr lang="en-CA" dirty="0"/>
           </a:p>
         </p:txBody>
       </p:sp>
@@ -3159,7 +3164,7 @@
         </p:blipFill>
         <p:spPr>
           <a:xfrm>
-            <a:off x="8458200" y="4434237"/>
+            <a:off x="8458200" y="4380424"/>
             <a:ext cx="529272" cy="1183898"/>
           </a:xfrm>
           <a:prstGeom prst="rect">
@@ -3214,7 +3219,7 @@
           <a:p>
             <a:r>
               <a:rPr lang="en-CA" smtClean="0"/>
-              <a:t>What is Gulp?</a:t>
+              <a:t>What is a JavaScript Task Runner?</a:t>
             </a:r>
             <a:endParaRPr lang="en-CA"/>
           </a:p>
@@ -3237,33 +3242,35 @@
           <a:p>
             <a:r>
               <a:rPr lang="en-CA" dirty="0" smtClean="0"/>
-              <a:t>A build system</a:t>
+              <a:t>A JS task runner helps to:</a:t>
             </a:r>
           </a:p>
           <a:p>
             <a:pPr lvl="1"/>
             <a:r>
               <a:rPr lang="en-CA" dirty="0" smtClean="0"/>
-              <a:t>Solves the same problem as Grunt, but not the same way</a:t>
-            </a:r>
-            <a:endParaRPr lang="en-CA" dirty="0"/>
-          </a:p>
-          <a:p>
+              <a:t>Automate repetitive, time consuming tasks</a:t>
+            </a:r>
+          </a:p>
+          <a:p>
+            <a:pPr lvl="1"/>
             <a:r>
               <a:rPr lang="en-CA" dirty="0" smtClean="0"/>
-              <a:t>Code oriented instead of configuration oriented</a:t>
-            </a:r>
-          </a:p>
-          <a:p>
+              <a:t>Improve code and software quality</a:t>
+            </a:r>
+          </a:p>
+          <a:p>
+            <a:pPr lvl="1"/>
             <a:r>
               <a:rPr lang="en-CA" dirty="0" smtClean="0"/>
-              <a:t>Open source plugins</a:t>
-            </a:r>
-          </a:p>
-          <a:p>
+              <a:t>Improve productivity</a:t>
+            </a:r>
+          </a:p>
+          <a:p>
+            <a:pPr lvl="1"/>
             <a:r>
               <a:rPr lang="en-CA" dirty="0" smtClean="0"/>
-              <a:t>Angular2 is developed with Gulp</a:t>
+              <a:t>Simplify deployment</a:t>
             </a:r>
           </a:p>
         </p:txBody>
@@ -3271,7 +3278,7 @@
     </p:spTree>
     <p:extLst>
       <p:ext uri="{BB962C8B-B14F-4D97-AF65-F5344CB8AC3E}">
-        <p14:creationId xmlns:p14="http://schemas.microsoft.com/office/powerpoint/2010/main" val="3272610871"/>
+        <p14:creationId xmlns:p14="http://schemas.microsoft.com/office/powerpoint/2010/main" val="768195999"/>
       </p:ext>
     </p:extLst>
   </p:cSld>
@@ -3300,251 +3307,1319 @@
       </p:grpSpPr>
       <p:sp>
         <p:nvSpPr>
-          <p:cNvPr id="10" name="Flèche vers la droite 9"/>
-          <p:cNvSpPr/>
+          <p:cNvPr id="2" name="Titre 1"/>
+          <p:cNvSpPr>
+            <a:spLocks noGrp="1"/>
+          </p:cNvSpPr>
+          <p:nvPr>
+            <p:ph type="title"/>
+          </p:nvPr>
+        </p:nvSpPr>
+        <p:spPr/>
+        <p:txBody>
+          <a:bodyPr/>
+          <a:lstStyle/>
+          <a:p>
+            <a:r>
+              <a:rPr lang="en-CA" dirty="0" smtClean="0"/>
+              <a:t>What is Gulp?</a:t>
+            </a:r>
+            <a:endParaRPr lang="en-CA" dirty="0"/>
+          </a:p>
+        </p:txBody>
+      </p:sp>
+      <p:sp>
+        <p:nvSpPr>
+          <p:cNvPr id="3" name="Espace réservé du contenu 2"/>
+          <p:cNvSpPr>
+            <a:spLocks noGrp="1"/>
+          </p:cNvSpPr>
+          <p:nvPr>
+            <p:ph idx="1"/>
+          </p:nvPr>
+        </p:nvSpPr>
+        <p:spPr/>
+        <p:txBody>
+          <a:bodyPr>
+            <a:normAutofit lnSpcReduction="10000"/>
+          </a:bodyPr>
+          <a:lstStyle/>
+          <a:p>
+            <a:r>
+              <a:rPr lang="en-CA" dirty="0" smtClean="0"/>
+              <a:t>A </a:t>
+            </a:r>
+            <a:r>
+              <a:rPr lang="en-CA" dirty="0" smtClean="0"/>
+              <a:t>JavaScript </a:t>
+            </a:r>
+            <a:r>
+              <a:rPr lang="en-CA" dirty="0" smtClean="0"/>
+              <a:t>task runner</a:t>
+            </a:r>
+          </a:p>
+          <a:p>
+            <a:pPr lvl="1"/>
+            <a:r>
+              <a:rPr lang="en-CA" i="1" dirty="0" err="1" smtClean="0"/>
+              <a:t>Minification</a:t>
+            </a:r>
+            <a:endParaRPr lang="en-CA" i="1" dirty="0"/>
+          </a:p>
+          <a:p>
+            <a:pPr lvl="1"/>
+            <a:r>
+              <a:rPr lang="en-CA" dirty="0" smtClean="0"/>
+              <a:t>Tests run</a:t>
+            </a:r>
+          </a:p>
+          <a:p>
+            <a:pPr lvl="1"/>
+            <a:r>
+              <a:rPr lang="en-CA" dirty="0" smtClean="0"/>
+              <a:t>Dependency management</a:t>
+            </a:r>
+          </a:p>
+          <a:p>
+            <a:pPr lvl="1"/>
+            <a:r>
+              <a:rPr lang="en-CA" dirty="0" smtClean="0"/>
+              <a:t>More </a:t>
+            </a:r>
+            <a:r>
+              <a:rPr lang="fr-FR" dirty="0" smtClean="0"/>
+              <a:t>…</a:t>
+            </a:r>
+            <a:endParaRPr lang="en-CA" dirty="0" smtClean="0"/>
+          </a:p>
+          <a:p>
+            <a:r>
+              <a:rPr lang="en-CA" dirty="0" smtClean="0"/>
+              <a:t>Open </a:t>
+            </a:r>
+            <a:r>
+              <a:rPr lang="en-CA" dirty="0" smtClean="0"/>
+              <a:t>source plugins</a:t>
+            </a:r>
+          </a:p>
+          <a:p>
+            <a:r>
+              <a:rPr lang="en-CA" dirty="0" smtClean="0"/>
+              <a:t>Angular2 is developed with Gulp</a:t>
+            </a:r>
+          </a:p>
+        </p:txBody>
+      </p:sp>
+    </p:spTree>
+    <p:extLst>
+      <p:ext uri="{BB962C8B-B14F-4D97-AF65-F5344CB8AC3E}">
+        <p14:creationId xmlns:p14="http://schemas.microsoft.com/office/powerpoint/2010/main" val="3272610871"/>
+      </p:ext>
+    </p:extLst>
+  </p:cSld>
+  <p:clrMapOvr>
+    <a:masterClrMapping/>
+  </p:clrMapOvr>
+</p:sld>
+</file>
+
+<file path=ppt/slides/slide4.xml><?xml version="1.0" encoding="utf-8"?>
+<p:sld xmlns:a="http://schemas.openxmlformats.org/drawingml/2006/main" xmlns:r="http://schemas.openxmlformats.org/officeDocument/2006/relationships" xmlns:p="http://schemas.openxmlformats.org/presentationml/2006/main">
+  <p:cSld>
+    <p:spTree>
+      <p:nvGrpSpPr>
+        <p:cNvPr id="1" name=""/>
+        <p:cNvGrpSpPr/>
+        <p:nvPr/>
+      </p:nvGrpSpPr>
+      <p:grpSpPr>
+        <a:xfrm>
+          <a:off x="0" y="0"/>
+          <a:ext cx="0" cy="0"/>
+          <a:chOff x="0" y="0"/>
+          <a:chExt cx="0" cy="0"/>
+        </a:xfrm>
+      </p:grpSpPr>
+      <p:sp>
+        <p:nvSpPr>
+          <p:cNvPr id="2" name="Titre 1"/>
+          <p:cNvSpPr>
+            <a:spLocks noGrp="1"/>
+          </p:cNvSpPr>
+          <p:nvPr>
+            <p:ph type="title"/>
+          </p:nvPr>
+        </p:nvSpPr>
+        <p:spPr/>
+        <p:txBody>
+          <a:bodyPr/>
+          <a:lstStyle/>
+          <a:p>
+            <a:r>
+              <a:rPr lang="en-CA" smtClean="0"/>
+              <a:t>Gulp vs Grunt</a:t>
+            </a:r>
+            <a:endParaRPr lang="en-CA"/>
+          </a:p>
+        </p:txBody>
+      </p:sp>
+      <p:pic>
+        <p:nvPicPr>
+          <p:cNvPr id="5" name="Image 4"/>
+          <p:cNvPicPr>
+            <a:picLocks noChangeAspect="1"/>
+          </p:cNvPicPr>
           <p:nvPr/>
-        </p:nvSpPr>
+        </p:nvPicPr>
+        <p:blipFill>
+          <a:blip r:embed="rId2"/>
+          <a:stretch>
+            <a:fillRect/>
+          </a:stretch>
+        </p:blipFill>
         <p:spPr>
           <a:xfrm>
-            <a:off x="7372241" y="4100593"/>
-            <a:ext cx="1226913" cy="204492"/>
-          </a:xfrm>
-          <a:prstGeom prst="rightArrow">
-            <a:avLst/>
-          </a:prstGeom>
-        </p:spPr>
-        <p:style>
-          <a:lnRef idx="1">
-            <a:schemeClr val="accent1"/>
-          </a:lnRef>
-          <a:fillRef idx="3">
-            <a:schemeClr val="accent1"/>
-          </a:fillRef>
-          <a:effectRef idx="2">
-            <a:schemeClr val="accent1"/>
-          </a:effectRef>
-          <a:fontRef idx="minor">
-            <a:schemeClr val="lt1"/>
-          </a:fontRef>
-        </p:style>
-        <p:txBody>
-          <a:bodyPr rtlCol="0" anchor="ctr"/>
-          <a:lstStyle/>
-          <a:p>
-            <a:pPr algn="ctr"/>
-            <a:endParaRPr lang="fr-FR"/>
-          </a:p>
-        </p:txBody>
-      </p:sp>
-      <p:sp>
-        <p:nvSpPr>
-          <p:cNvPr id="2" name="Titre 1"/>
-          <p:cNvSpPr>
-            <a:spLocks noGrp="1"/>
-          </p:cNvSpPr>
-          <p:nvPr>
-            <p:ph type="title"/>
-          </p:nvPr>
-        </p:nvSpPr>
-        <p:spPr/>
-        <p:txBody>
-          <a:bodyPr/>
-          <a:lstStyle/>
-          <a:p>
-            <a:r>
-              <a:rPr lang="en-CA" dirty="0" smtClean="0"/>
-              <a:t>How does it work?</a:t>
-            </a:r>
-            <a:endParaRPr lang="en-CA" dirty="0"/>
-          </a:p>
-        </p:txBody>
-      </p:sp>
-      <p:sp>
-        <p:nvSpPr>
-          <p:cNvPr id="3" name="Espace réservé du contenu 2"/>
-          <p:cNvSpPr>
-            <a:spLocks noGrp="1"/>
-          </p:cNvSpPr>
-          <p:nvPr>
-            <p:ph idx="1"/>
-          </p:nvPr>
-        </p:nvSpPr>
-        <p:spPr>
-          <a:xfrm>
-            <a:off x="457200" y="1333501"/>
-            <a:ext cx="4159868" cy="3771636"/>
+            <a:off x="1695586" y="1181796"/>
+            <a:ext cx="865864" cy="1936801"/>
           </a:xfrm>
           <a:prstGeom prst="rect">
             <a:avLst/>
           </a:prstGeom>
         </p:spPr>
-        <p:txBody>
-          <a:bodyPr/>
-          <a:lstStyle/>
-          <a:p>
-            <a:r>
-              <a:rPr lang="en-CA" dirty="0" smtClean="0"/>
-              <a:t>Stream based: data go through a pipe of instructions</a:t>
-            </a:r>
-          </a:p>
-        </p:txBody>
-      </p:sp>
-      <p:sp>
-        <p:nvSpPr>
-          <p:cNvPr id="4" name="Rectangle 3"/>
-          <p:cNvSpPr/>
+      </p:pic>
+      <p:pic>
+        <p:nvPicPr>
+          <p:cNvPr id="9" name="Image 8"/>
+          <p:cNvPicPr>
+            <a:picLocks noChangeAspect="1"/>
+          </p:cNvPicPr>
           <p:nvPr/>
-        </p:nvSpPr>
+        </p:nvPicPr>
+        <p:blipFill>
+          <a:blip r:embed="rId3"/>
+          <a:stretch>
+            <a:fillRect/>
+          </a:stretch>
+        </p:blipFill>
         <p:spPr>
           <a:xfrm>
-            <a:off x="5650257" y="2911335"/>
-            <a:ext cx="1399112" cy="570424"/>
+            <a:off x="5800930" y="1181796"/>
+            <a:ext cx="1937231" cy="1937231"/>
           </a:xfrm>
           <a:prstGeom prst="rect">
             <a:avLst/>
           </a:prstGeom>
         </p:spPr>
-        <p:style>
-          <a:lnRef idx="1">
-            <a:schemeClr val="accent1"/>
-          </a:lnRef>
-          <a:fillRef idx="3">
-            <a:schemeClr val="accent1"/>
-          </a:fillRef>
-          <a:effectRef idx="2">
-            <a:schemeClr val="accent1"/>
-          </a:effectRef>
-          <a:fontRef idx="minor">
-            <a:schemeClr val="lt1"/>
-          </a:fontRef>
-        </p:style>
-        <p:txBody>
-          <a:bodyPr rtlCol="0" anchor="ctr"/>
-          <a:lstStyle/>
-          <a:p>
-            <a:pPr algn="ctr"/>
-            <a:endParaRPr lang="fr-FR"/>
-          </a:p>
-        </p:txBody>
-      </p:sp>
-      <p:sp>
-        <p:nvSpPr>
-          <p:cNvPr id="5" name="Trapèze 4"/>
-          <p:cNvSpPr/>
+      </p:pic>
+      <p:sp>
+        <p:nvSpPr>
+          <p:cNvPr id="10" name="ZoneTexte 9"/>
+          <p:cNvSpPr txBox="1"/>
           <p:nvPr/>
         </p:nvSpPr>
         <p:spPr>
-          <a:xfrm rot="10800000">
-            <a:off x="5650257" y="1516467"/>
-            <a:ext cx="1269962" cy="807204"/>
+          <a:xfrm>
+            <a:off x="457200" y="3314914"/>
+            <a:ext cx="3621504" cy="1477328"/>
           </a:xfrm>
-          <a:prstGeom prst="trapezoid">
+          <a:prstGeom prst="rect">
             <a:avLst/>
           </a:prstGeom>
+          <a:noFill/>
         </p:spPr>
-        <p:style>
-          <a:lnRef idx="1">
-            <a:schemeClr val="accent1"/>
-          </a:lnRef>
-          <a:fillRef idx="3">
-            <a:schemeClr val="accent1"/>
-          </a:fillRef>
-          <a:effectRef idx="2">
-            <a:schemeClr val="accent1"/>
-          </a:effectRef>
-          <a:fontRef idx="minor">
-            <a:schemeClr val="lt1"/>
-          </a:fontRef>
-        </p:style>
-        <p:txBody>
-          <a:bodyPr rtlCol="0" anchor="ctr"/>
-          <a:lstStyle/>
-          <a:p>
-            <a:pPr algn="ctr"/>
-            <a:endParaRPr lang="fr-FR"/>
-          </a:p>
-        </p:txBody>
-      </p:sp>
-      <p:sp>
-        <p:nvSpPr>
-          <p:cNvPr id="8" name="Triangle rectangle 7"/>
-          <p:cNvSpPr/>
+        <p:txBody>
+          <a:bodyPr wrap="none" rtlCol="0">
+            <a:spAutoFit/>
+          </a:bodyPr>
+          <a:lstStyle/>
+          <a:p>
+            <a:pPr marL="285750" indent="-285750">
+              <a:buFont typeface="Arial"/>
+              <a:buChar char="•"/>
+            </a:pPr>
+            <a:r>
+              <a:rPr lang="en-CA" dirty="0" smtClean="0"/>
+              <a:t>Code over configuration</a:t>
+            </a:r>
+          </a:p>
+          <a:p>
+            <a:pPr marL="285750" indent="-285750">
+              <a:buFont typeface="Arial"/>
+              <a:buChar char="•"/>
+            </a:pPr>
+            <a:r>
+              <a:rPr lang="en-CA" dirty="0" smtClean="0"/>
+              <a:t>Run tasks sequentially in memory</a:t>
+            </a:r>
+          </a:p>
+          <a:p>
+            <a:pPr marL="742950" lvl="1" indent="-285750">
+              <a:buFont typeface="Arial"/>
+              <a:buChar char="•"/>
+            </a:pPr>
+            <a:r>
+              <a:rPr lang="en-CA" dirty="0" smtClean="0"/>
+              <a:t>Only one disk write</a:t>
+            </a:r>
+          </a:p>
+          <a:p>
+            <a:pPr marL="285750" indent="-285750">
+              <a:buFont typeface="Arial"/>
+              <a:buChar char="•"/>
+            </a:pPr>
+            <a:r>
+              <a:rPr lang="en-CA" dirty="0" smtClean="0"/>
+              <a:t>~ 2000 plugins</a:t>
+            </a:r>
+          </a:p>
+          <a:p>
+            <a:pPr marL="285750" indent="-285750">
+              <a:buFont typeface="Arial"/>
+              <a:buChar char="•"/>
+            </a:pPr>
+            <a:r>
+              <a:rPr lang="en-CA" dirty="0" smtClean="0"/>
+              <a:t>Natively supported by VS15</a:t>
+            </a:r>
+          </a:p>
+        </p:txBody>
+      </p:sp>
+      <p:sp>
+        <p:nvSpPr>
+          <p:cNvPr id="11" name="ZoneTexte 10"/>
+          <p:cNvSpPr txBox="1"/>
           <p:nvPr/>
         </p:nvSpPr>
         <p:spPr>
           <a:xfrm>
-            <a:off x="7212616" y="3725741"/>
-            <a:ext cx="1072617" cy="968615"/>
+            <a:off x="5145973" y="3314914"/>
+            <a:ext cx="3540827" cy="1754327"/>
           </a:xfrm>
-          <a:prstGeom prst="rtTriangle">
+          <a:prstGeom prst="rect">
             <a:avLst/>
           </a:prstGeom>
+          <a:noFill/>
         </p:spPr>
-        <p:style>
-          <a:lnRef idx="1">
-            <a:schemeClr val="accent1"/>
-          </a:lnRef>
-          <a:fillRef idx="3">
-            <a:schemeClr val="accent1"/>
-          </a:fillRef>
-          <a:effectRef idx="2">
-            <a:schemeClr val="accent1"/>
-          </a:effectRef>
-          <a:fontRef idx="minor">
-            <a:schemeClr val="lt1"/>
-          </a:fontRef>
-        </p:style>
-        <p:txBody>
-          <a:bodyPr rtlCol="0" anchor="ctr"/>
-          <a:lstStyle/>
-          <a:p>
-            <a:pPr algn="ctr"/>
-            <a:endParaRPr lang="fr-FR"/>
-          </a:p>
-        </p:txBody>
-      </p:sp>
-      <p:sp>
-        <p:nvSpPr>
-          <p:cNvPr id="9" name="Rectangle 8"/>
-          <p:cNvSpPr/>
-          <p:nvPr/>
+        <p:txBody>
+          <a:bodyPr wrap="square" rtlCol="0">
+            <a:spAutoFit/>
+          </a:bodyPr>
+          <a:lstStyle/>
+          <a:p>
+            <a:pPr marL="285750" indent="-285750">
+              <a:buFont typeface="Arial"/>
+              <a:buChar char="•"/>
+            </a:pPr>
+            <a:r>
+              <a:rPr lang="en-CA" dirty="0" smtClean="0"/>
+              <a:t>Configuration over code</a:t>
+            </a:r>
+          </a:p>
+          <a:p>
+            <a:pPr marL="285750" indent="-285750">
+              <a:buFont typeface="Arial"/>
+              <a:buChar char="•"/>
+            </a:pPr>
+            <a:r>
+              <a:rPr lang="en-CA" dirty="0" smtClean="0"/>
+              <a:t>Run tasks one by one</a:t>
+            </a:r>
+          </a:p>
+          <a:p>
+            <a:pPr marL="742950" lvl="1" indent="-285750">
+              <a:buFont typeface="Arial"/>
+              <a:buChar char="•"/>
+            </a:pPr>
+            <a:r>
+              <a:rPr lang="en-CA" dirty="0" smtClean="0"/>
+              <a:t>Write on disk for each tasks</a:t>
+            </a:r>
+          </a:p>
+          <a:p>
+            <a:pPr marL="285750" indent="-285750">
+              <a:buFont typeface="Arial"/>
+              <a:buChar char="•"/>
+            </a:pPr>
+            <a:r>
+              <a:rPr lang="en-CA" dirty="0" smtClean="0"/>
+              <a:t>&gt;5000 plugins</a:t>
+            </a:r>
+          </a:p>
+          <a:p>
+            <a:pPr marL="285750" indent="-285750">
+              <a:buFont typeface="Arial"/>
+              <a:buChar char="•"/>
+            </a:pPr>
+            <a:r>
+              <a:rPr lang="en-CA" dirty="0" smtClean="0"/>
+              <a:t>Natively supported by VS15</a:t>
+            </a:r>
+          </a:p>
+          <a:p>
+            <a:pPr marL="742950" lvl="1" indent="-285750">
+              <a:buFont typeface="Arial"/>
+              <a:buChar char="•"/>
+            </a:pPr>
+            <a:endParaRPr lang="en-CA" dirty="0" smtClean="0"/>
+          </a:p>
+        </p:txBody>
+      </p:sp>
+    </p:spTree>
+    <p:extLst>
+      <p:ext uri="{BB962C8B-B14F-4D97-AF65-F5344CB8AC3E}">
+        <p14:creationId xmlns:p14="http://schemas.microsoft.com/office/powerpoint/2010/main" val="2907205256"/>
+      </p:ext>
+    </p:extLst>
+  </p:cSld>
+  <p:clrMapOvr>
+    <a:masterClrMapping/>
+  </p:clrMapOvr>
+</p:sld>
+</file>
+
+<file path=ppt/slides/slide5.xml><?xml version="1.0" encoding="utf-8"?>
+<p:sld xmlns:a="http://schemas.openxmlformats.org/drawingml/2006/main" xmlns:r="http://schemas.openxmlformats.org/officeDocument/2006/relationships" xmlns:p="http://schemas.openxmlformats.org/presentationml/2006/main">
+  <p:cSld>
+    <p:spTree>
+      <p:nvGrpSpPr>
+        <p:cNvPr id="1" name=""/>
+        <p:cNvGrpSpPr/>
+        <p:nvPr/>
+      </p:nvGrpSpPr>
+      <p:grpSpPr>
+        <a:xfrm>
+          <a:off x="0" y="0"/>
+          <a:ext cx="0" cy="0"/>
+          <a:chOff x="0" y="0"/>
+          <a:chExt cx="0" cy="0"/>
+        </a:xfrm>
+      </p:grpSpPr>
+      <p:sp>
+        <p:nvSpPr>
+          <p:cNvPr id="2" name="Titre 1"/>
+          <p:cNvSpPr>
+            <a:spLocks noGrp="1"/>
+          </p:cNvSpPr>
+          <p:nvPr>
+            <p:ph type="title"/>
+          </p:nvPr>
+        </p:nvSpPr>
+        <p:spPr/>
+        <p:txBody>
+          <a:bodyPr/>
+          <a:lstStyle/>
+          <a:p>
+            <a:r>
+              <a:rPr lang="en-CA" dirty="0" smtClean="0"/>
+              <a:t>How does it work?</a:t>
+            </a:r>
+            <a:endParaRPr lang="en-CA" dirty="0"/>
+          </a:p>
+        </p:txBody>
+      </p:sp>
+      <p:sp>
+        <p:nvSpPr>
+          <p:cNvPr id="3" name="Espace réservé du contenu 2"/>
+          <p:cNvSpPr>
+            <a:spLocks noGrp="1"/>
+          </p:cNvSpPr>
+          <p:nvPr>
+            <p:ph idx="1"/>
+          </p:nvPr>
         </p:nvSpPr>
         <p:spPr>
           <a:xfrm>
-            <a:off x="5650257" y="3725741"/>
-            <a:ext cx="1562359" cy="968615"/>
+            <a:off x="457199" y="1333501"/>
+            <a:ext cx="4363942" cy="3771636"/>
           </a:xfrm>
           <a:prstGeom prst="rect">
             <a:avLst/>
           </a:prstGeom>
         </p:spPr>
-        <p:style>
-          <a:lnRef idx="1">
-            <a:schemeClr val="accent1"/>
-          </a:lnRef>
-          <a:fillRef idx="3">
-            <a:schemeClr val="accent1"/>
-          </a:fillRef>
-          <a:effectRef idx="2">
-            <a:schemeClr val="accent1"/>
-          </a:effectRef>
-          <a:fontRef idx="minor">
-            <a:schemeClr val="lt1"/>
-          </a:fontRef>
-        </p:style>
-        <p:txBody>
-          <a:bodyPr rtlCol="0" anchor="ctr"/>
-          <a:lstStyle/>
-          <a:p>
-            <a:pPr algn="ctr"/>
-            <a:endParaRPr lang="fr-FR"/>
-          </a:p>
-        </p:txBody>
-      </p:sp>
+        <p:txBody>
+          <a:bodyPr/>
+          <a:lstStyle/>
+          <a:p>
+            <a:r>
+              <a:rPr lang="en-CA" dirty="0" smtClean="0"/>
+              <a:t>Stream based:</a:t>
+            </a:r>
+          </a:p>
+          <a:p>
+            <a:pPr lvl="1"/>
+            <a:r>
+              <a:rPr lang="en-CA" dirty="0" smtClean="0"/>
+              <a:t>Start the stream with a source</a:t>
+            </a:r>
+          </a:p>
+          <a:p>
+            <a:pPr lvl="1"/>
+            <a:r>
+              <a:rPr lang="en-CA" dirty="0"/>
+              <a:t>D</a:t>
+            </a:r>
+            <a:r>
+              <a:rPr lang="en-CA" dirty="0" smtClean="0"/>
+              <a:t>ata </a:t>
+            </a:r>
+            <a:r>
+              <a:rPr lang="en-CA" dirty="0" smtClean="0"/>
+              <a:t>go through a pipe of </a:t>
+            </a:r>
+            <a:r>
+              <a:rPr lang="en-CA" dirty="0" smtClean="0"/>
+              <a:t>tasks</a:t>
+            </a:r>
+          </a:p>
+          <a:p>
+            <a:pPr lvl="1"/>
+            <a:r>
+              <a:rPr lang="en-CA" dirty="0" smtClean="0"/>
+              <a:t>End the stream at a destination</a:t>
+            </a:r>
+            <a:endParaRPr lang="en-CA" dirty="0" smtClean="0"/>
+          </a:p>
+        </p:txBody>
+      </p:sp>
+      <p:grpSp>
+        <p:nvGrpSpPr>
+          <p:cNvPr id="6" name="Grouper 5"/>
+          <p:cNvGrpSpPr/>
+          <p:nvPr/>
+        </p:nvGrpSpPr>
+        <p:grpSpPr>
+          <a:xfrm>
+            <a:off x="5439107" y="1181367"/>
+            <a:ext cx="3077734" cy="4088348"/>
+            <a:chOff x="5439107" y="1181367"/>
+            <a:chExt cx="3077734" cy="4088348"/>
+          </a:xfrm>
+        </p:grpSpPr>
+        <p:sp>
+          <p:nvSpPr>
+            <p:cNvPr id="10" name="Flèche vers la droite 9"/>
+            <p:cNvSpPr/>
+            <p:nvPr/>
+          </p:nvSpPr>
+          <p:spPr>
+            <a:xfrm>
+              <a:off x="7289928" y="4640675"/>
+              <a:ext cx="1226913" cy="204492"/>
+            </a:xfrm>
+            <a:prstGeom prst="rightArrow">
+              <a:avLst/>
+            </a:prstGeom>
+            <a:solidFill>
+              <a:schemeClr val="tx1"/>
+            </a:solidFill>
+            <a:ln>
+              <a:noFill/>
+            </a:ln>
+            <a:effectLst/>
+          </p:spPr>
+          <p:style>
+            <a:lnRef idx="1">
+              <a:schemeClr val="accent1"/>
+            </a:lnRef>
+            <a:fillRef idx="3">
+              <a:schemeClr val="accent1"/>
+            </a:fillRef>
+            <a:effectRef idx="2">
+              <a:schemeClr val="accent1"/>
+            </a:effectRef>
+            <a:fontRef idx="minor">
+              <a:schemeClr val="lt1"/>
+            </a:fontRef>
+          </p:style>
+          <p:txBody>
+            <a:bodyPr rtlCol="0" anchor="ctr"/>
+            <a:lstStyle/>
+            <a:p>
+              <a:pPr algn="ctr"/>
+              <a:endParaRPr lang="fr-FR"/>
+            </a:p>
+          </p:txBody>
+        </p:sp>
+        <p:sp>
+          <p:nvSpPr>
+            <p:cNvPr id="4" name="Rectangle 3"/>
+            <p:cNvSpPr/>
+            <p:nvPr/>
+          </p:nvSpPr>
+          <p:spPr>
+            <a:xfrm>
+              <a:off x="5650257" y="2923094"/>
+              <a:ext cx="1399112" cy="570424"/>
+            </a:xfrm>
+            <a:prstGeom prst="rect">
+              <a:avLst/>
+            </a:prstGeom>
+            <a:solidFill>
+              <a:schemeClr val="accent2">
+                <a:lumMod val="75000"/>
+              </a:schemeClr>
+            </a:solidFill>
+            <a:ln>
+              <a:noFill/>
+            </a:ln>
+            <a:effectLst/>
+          </p:spPr>
+          <p:style>
+            <a:lnRef idx="1">
+              <a:schemeClr val="accent1"/>
+            </a:lnRef>
+            <a:fillRef idx="3">
+              <a:schemeClr val="accent1"/>
+            </a:fillRef>
+            <a:effectRef idx="2">
+              <a:schemeClr val="accent1"/>
+            </a:effectRef>
+            <a:fontRef idx="minor">
+              <a:schemeClr val="lt1"/>
+            </a:fontRef>
+          </p:style>
+          <p:txBody>
+            <a:bodyPr rtlCol="0" anchor="ctr"/>
+            <a:lstStyle/>
+            <a:p>
+              <a:pPr algn="ctr"/>
+              <a:endParaRPr lang="fr-FR"/>
+            </a:p>
+          </p:txBody>
+        </p:sp>
+        <p:sp>
+          <p:nvSpPr>
+            <p:cNvPr id="5" name="Trapèze 4"/>
+            <p:cNvSpPr/>
+            <p:nvPr/>
+          </p:nvSpPr>
+          <p:spPr>
+            <a:xfrm rot="10800000">
+              <a:off x="5439107" y="1333501"/>
+              <a:ext cx="1808603" cy="807204"/>
+            </a:xfrm>
+            <a:prstGeom prst="trapezoid">
+              <a:avLst/>
+            </a:prstGeom>
+            <a:solidFill>
+              <a:schemeClr val="tx2">
+                <a:lumMod val="60000"/>
+                <a:lumOff val="40000"/>
+              </a:schemeClr>
+            </a:solidFill>
+            <a:ln>
+              <a:noFill/>
+            </a:ln>
+            <a:effectLst/>
+          </p:spPr>
+          <p:style>
+            <a:lnRef idx="1">
+              <a:schemeClr val="accent1"/>
+            </a:lnRef>
+            <a:fillRef idx="3">
+              <a:schemeClr val="accent1"/>
+            </a:fillRef>
+            <a:effectRef idx="2">
+              <a:schemeClr val="accent1"/>
+            </a:effectRef>
+            <a:fontRef idx="minor">
+              <a:schemeClr val="lt1"/>
+            </a:fontRef>
+          </p:style>
+          <p:txBody>
+            <a:bodyPr rtlCol="0" anchor="ctr"/>
+            <a:lstStyle/>
+            <a:p>
+              <a:pPr algn="ctr"/>
+              <a:endParaRPr lang="fr-FR"/>
+            </a:p>
+          </p:txBody>
+        </p:sp>
+        <p:sp>
+          <p:nvSpPr>
+            <p:cNvPr id="8" name="Triangle rectangle 7"/>
+            <p:cNvSpPr/>
+            <p:nvPr/>
+          </p:nvSpPr>
+          <p:spPr>
+            <a:xfrm>
+              <a:off x="7036231" y="4301100"/>
+              <a:ext cx="1072617" cy="968615"/>
+            </a:xfrm>
+            <a:prstGeom prst="rtTriangle">
+              <a:avLst/>
+            </a:prstGeom>
+            <a:solidFill>
+              <a:schemeClr val="tx2">
+                <a:lumMod val="60000"/>
+                <a:lumOff val="40000"/>
+              </a:schemeClr>
+            </a:solidFill>
+            <a:ln>
+              <a:noFill/>
+            </a:ln>
+            <a:effectLst/>
+          </p:spPr>
+          <p:style>
+            <a:lnRef idx="1">
+              <a:schemeClr val="accent1"/>
+            </a:lnRef>
+            <a:fillRef idx="3">
+              <a:schemeClr val="accent1"/>
+            </a:fillRef>
+            <a:effectRef idx="2">
+              <a:schemeClr val="accent1"/>
+            </a:effectRef>
+            <a:fontRef idx="minor">
+              <a:schemeClr val="lt1"/>
+            </a:fontRef>
+          </p:style>
+          <p:txBody>
+            <a:bodyPr rtlCol="0" anchor="ctr"/>
+            <a:lstStyle/>
+            <a:p>
+              <a:pPr algn="ctr"/>
+              <a:endParaRPr lang="fr-FR"/>
+            </a:p>
+          </p:txBody>
+        </p:sp>
+        <p:sp>
+          <p:nvSpPr>
+            <p:cNvPr id="9" name="Rectangle 8"/>
+            <p:cNvSpPr/>
+            <p:nvPr/>
+          </p:nvSpPr>
+          <p:spPr>
+            <a:xfrm>
+              <a:off x="5650258" y="4301100"/>
+              <a:ext cx="1399112" cy="968615"/>
+            </a:xfrm>
+            <a:prstGeom prst="rect">
+              <a:avLst/>
+            </a:prstGeom>
+            <a:solidFill>
+              <a:schemeClr val="tx2">
+                <a:lumMod val="60000"/>
+                <a:lumOff val="40000"/>
+              </a:schemeClr>
+            </a:solidFill>
+            <a:ln>
+              <a:noFill/>
+            </a:ln>
+            <a:effectLst/>
+          </p:spPr>
+          <p:style>
+            <a:lnRef idx="1">
+              <a:schemeClr val="accent1"/>
+            </a:lnRef>
+            <a:fillRef idx="3">
+              <a:schemeClr val="accent1"/>
+            </a:fillRef>
+            <a:effectRef idx="2">
+              <a:schemeClr val="accent1"/>
+            </a:effectRef>
+            <a:fontRef idx="minor">
+              <a:schemeClr val="lt1"/>
+            </a:fontRef>
+          </p:style>
+          <p:txBody>
+            <a:bodyPr rtlCol="0" anchor="ctr"/>
+            <a:lstStyle/>
+            <a:p>
+              <a:pPr algn="ctr"/>
+              <a:endParaRPr lang="fr-FR"/>
+            </a:p>
+          </p:txBody>
+        </p:sp>
+        <p:sp>
+          <p:nvSpPr>
+            <p:cNvPr id="11" name="Rectangle 10"/>
+            <p:cNvSpPr/>
+            <p:nvPr/>
+          </p:nvSpPr>
+          <p:spPr>
+            <a:xfrm>
+              <a:off x="5650257" y="2246060"/>
+              <a:ext cx="1399112" cy="570424"/>
+            </a:xfrm>
+            <a:prstGeom prst="rect">
+              <a:avLst/>
+            </a:prstGeom>
+            <a:solidFill>
+              <a:schemeClr val="accent2">
+                <a:lumMod val="75000"/>
+              </a:schemeClr>
+            </a:solidFill>
+            <a:ln>
+              <a:noFill/>
+            </a:ln>
+            <a:effectLst/>
+          </p:spPr>
+          <p:style>
+            <a:lnRef idx="1">
+              <a:schemeClr val="accent1"/>
+            </a:lnRef>
+            <a:fillRef idx="3">
+              <a:schemeClr val="accent1"/>
+            </a:fillRef>
+            <a:effectRef idx="2">
+              <a:schemeClr val="accent1"/>
+            </a:effectRef>
+            <a:fontRef idx="minor">
+              <a:schemeClr val="lt1"/>
+            </a:fontRef>
+          </p:style>
+          <p:txBody>
+            <a:bodyPr rtlCol="0" anchor="ctr"/>
+            <a:lstStyle/>
+            <a:p>
+              <a:pPr algn="ctr"/>
+              <a:endParaRPr lang="fr-FR"/>
+            </a:p>
+          </p:txBody>
+        </p:sp>
+        <p:sp>
+          <p:nvSpPr>
+            <p:cNvPr id="12" name="Rectangle 11"/>
+            <p:cNvSpPr/>
+            <p:nvPr/>
+          </p:nvSpPr>
+          <p:spPr>
+            <a:xfrm>
+              <a:off x="5650257" y="3611908"/>
+              <a:ext cx="1399112" cy="570424"/>
+            </a:xfrm>
+            <a:prstGeom prst="rect">
+              <a:avLst/>
+            </a:prstGeom>
+            <a:solidFill>
+              <a:schemeClr val="accent2">
+                <a:lumMod val="75000"/>
+              </a:schemeClr>
+            </a:solidFill>
+            <a:ln>
+              <a:noFill/>
+            </a:ln>
+            <a:effectLst/>
+          </p:spPr>
+          <p:style>
+            <a:lnRef idx="1">
+              <a:schemeClr val="accent1"/>
+            </a:lnRef>
+            <a:fillRef idx="3">
+              <a:schemeClr val="accent1"/>
+            </a:fillRef>
+            <a:effectRef idx="2">
+              <a:schemeClr val="accent1"/>
+            </a:effectRef>
+            <a:fontRef idx="minor">
+              <a:schemeClr val="lt1"/>
+            </a:fontRef>
+          </p:style>
+          <p:txBody>
+            <a:bodyPr rtlCol="0" anchor="ctr"/>
+            <a:lstStyle/>
+            <a:p>
+              <a:pPr algn="ctr"/>
+              <a:endParaRPr lang="fr-FR"/>
+            </a:p>
+          </p:txBody>
+        </p:sp>
+        <p:sp>
+          <p:nvSpPr>
+            <p:cNvPr id="13" name="Flèche vers la droite 12"/>
+            <p:cNvSpPr/>
+            <p:nvPr/>
+          </p:nvSpPr>
+          <p:spPr>
+            <a:xfrm rot="5400000">
+              <a:off x="4607367" y="2849933"/>
+              <a:ext cx="3541623" cy="204492"/>
+            </a:xfrm>
+            <a:prstGeom prst="rightArrow">
+              <a:avLst/>
+            </a:prstGeom>
+            <a:solidFill>
+              <a:schemeClr val="tx1"/>
+            </a:solidFill>
+            <a:ln>
+              <a:noFill/>
+            </a:ln>
+            <a:effectLst/>
+          </p:spPr>
+          <p:style>
+            <a:lnRef idx="1">
+              <a:schemeClr val="accent1"/>
+            </a:lnRef>
+            <a:fillRef idx="3">
+              <a:schemeClr val="accent1"/>
+            </a:fillRef>
+            <a:effectRef idx="2">
+              <a:schemeClr val="accent1"/>
+            </a:effectRef>
+            <a:fontRef idx="minor">
+              <a:schemeClr val="lt1"/>
+            </a:fontRef>
+          </p:style>
+          <p:txBody>
+            <a:bodyPr rtlCol="0" anchor="ctr"/>
+            <a:lstStyle/>
+            <a:p>
+              <a:pPr algn="ctr"/>
+              <a:endParaRPr lang="fr-FR"/>
+            </a:p>
+          </p:txBody>
+        </p:sp>
+      </p:grpSp>
     </p:spTree>
     <p:extLst>
       <p:ext uri="{BB962C8B-B14F-4D97-AF65-F5344CB8AC3E}">
         <p14:creationId xmlns:p14="http://schemas.microsoft.com/office/powerpoint/2010/main" val="187952326"/>
+      </p:ext>
+    </p:extLst>
+  </p:cSld>
+  <p:clrMapOvr>
+    <a:masterClrMapping/>
+  </p:clrMapOvr>
+</p:sld>
+</file>
+
+<file path=ppt/slides/slide6.xml><?xml version="1.0" encoding="utf-8"?>
+<p:sld xmlns:a="http://schemas.openxmlformats.org/drawingml/2006/main" xmlns:r="http://schemas.openxmlformats.org/officeDocument/2006/relationships" xmlns:p="http://schemas.openxmlformats.org/presentationml/2006/main">
+  <p:cSld>
+    <p:spTree>
+      <p:nvGrpSpPr>
+        <p:cNvPr id="1" name=""/>
+        <p:cNvGrpSpPr/>
+        <p:nvPr/>
+      </p:nvGrpSpPr>
+      <p:grpSpPr>
+        <a:xfrm>
+          <a:off x="0" y="0"/>
+          <a:ext cx="0" cy="0"/>
+          <a:chOff x="0" y="0"/>
+          <a:chExt cx="0" cy="0"/>
+        </a:xfrm>
+      </p:grpSpPr>
+      <p:sp>
+        <p:nvSpPr>
+          <p:cNvPr id="2" name="Titre 1"/>
+          <p:cNvSpPr>
+            <a:spLocks noGrp="1"/>
+          </p:cNvSpPr>
+          <p:nvPr>
+            <p:ph type="title"/>
+          </p:nvPr>
+        </p:nvSpPr>
+        <p:spPr/>
+        <p:txBody>
+          <a:bodyPr/>
+          <a:lstStyle/>
+          <a:p>
+            <a:r>
+              <a:rPr lang="en-CA" smtClean="0"/>
+              <a:t>Important Gulp Instructions</a:t>
+            </a:r>
+            <a:endParaRPr lang="en-CA"/>
+          </a:p>
+        </p:txBody>
+      </p:sp>
+      <p:sp>
+        <p:nvSpPr>
+          <p:cNvPr id="3" name="Espace réservé du contenu 2"/>
+          <p:cNvSpPr>
+            <a:spLocks noGrp="1"/>
+          </p:cNvSpPr>
+          <p:nvPr>
+            <p:ph idx="1"/>
+          </p:nvPr>
+        </p:nvSpPr>
+        <p:spPr/>
+        <p:txBody>
+          <a:bodyPr>
+            <a:normAutofit fontScale="92500" lnSpcReduction="10000"/>
+          </a:bodyPr>
+          <a:lstStyle/>
+          <a:p>
+            <a:r>
+              <a:rPr lang="fr-FR" dirty="0" smtClean="0"/>
+              <a:t>g</a:t>
+            </a:r>
+            <a:r>
+              <a:rPr lang="en-CA" dirty="0" err="1" smtClean="0"/>
+              <a:t>ulp.src</a:t>
+            </a:r>
+            <a:endParaRPr lang="en-CA" dirty="0" smtClean="0"/>
+          </a:p>
+          <a:p>
+            <a:pPr lvl="1"/>
+            <a:r>
+              <a:rPr lang="en-CA" dirty="0" smtClean="0"/>
+              <a:t>The source of the stream: The input file(s)</a:t>
+            </a:r>
+            <a:endParaRPr lang="en-CA" dirty="0"/>
+          </a:p>
+          <a:p>
+            <a:r>
+              <a:rPr lang="fr-FR" dirty="0" smtClean="0"/>
+              <a:t>g</a:t>
+            </a:r>
+            <a:r>
+              <a:rPr lang="en-CA" dirty="0" err="1" smtClean="0"/>
+              <a:t>ulp.task</a:t>
+            </a:r>
+            <a:endParaRPr lang="en-CA" dirty="0" smtClean="0"/>
+          </a:p>
+          <a:p>
+            <a:pPr lvl="1"/>
+            <a:r>
+              <a:rPr lang="en-CA" dirty="0" smtClean="0"/>
+              <a:t>The task to execute on the stream</a:t>
+            </a:r>
+          </a:p>
+          <a:p>
+            <a:pPr lvl="2"/>
+            <a:r>
+              <a:rPr lang="en-CA" dirty="0" smtClean="0"/>
+              <a:t>Can chain multiple tasks</a:t>
+            </a:r>
+          </a:p>
+          <a:p>
+            <a:r>
+              <a:rPr lang="fr-FR" dirty="0" smtClean="0"/>
+              <a:t>g</a:t>
+            </a:r>
+            <a:r>
+              <a:rPr lang="en-CA" dirty="0" err="1" smtClean="0"/>
+              <a:t>ulp.dest</a:t>
+            </a:r>
+            <a:endParaRPr lang="en-CA" dirty="0" smtClean="0"/>
+          </a:p>
+          <a:p>
+            <a:pPr lvl="1"/>
+            <a:r>
+              <a:rPr lang="en-CA" dirty="0" smtClean="0"/>
+              <a:t>The destination of the stream: A folder or a specific file</a:t>
+            </a:r>
+          </a:p>
+        </p:txBody>
+      </p:sp>
+    </p:spTree>
+    <p:extLst>
+      <p:ext uri="{BB962C8B-B14F-4D97-AF65-F5344CB8AC3E}">
+        <p14:creationId xmlns:p14="http://schemas.microsoft.com/office/powerpoint/2010/main" val="1468877842"/>
+      </p:ext>
+    </p:extLst>
+  </p:cSld>
+  <p:clrMapOvr>
+    <a:masterClrMapping/>
+  </p:clrMapOvr>
+</p:sld>
+</file>
+
+<file path=ppt/slides/slide7.xml><?xml version="1.0" encoding="utf-8"?>
+<p:sld xmlns:a="http://schemas.openxmlformats.org/drawingml/2006/main" xmlns:r="http://schemas.openxmlformats.org/officeDocument/2006/relationships" xmlns:p="http://schemas.openxmlformats.org/presentationml/2006/main">
+  <p:cSld>
+    <p:spTree>
+      <p:nvGrpSpPr>
+        <p:cNvPr id="1" name=""/>
+        <p:cNvGrpSpPr/>
+        <p:nvPr/>
+      </p:nvGrpSpPr>
+      <p:grpSpPr>
+        <a:xfrm>
+          <a:off x="0" y="0"/>
+          <a:ext cx="0" cy="0"/>
+          <a:chOff x="0" y="0"/>
+          <a:chExt cx="0" cy="0"/>
+        </a:xfrm>
+      </p:grpSpPr>
+      <p:sp>
+        <p:nvSpPr>
+          <p:cNvPr id="2" name="Titre 1"/>
+          <p:cNvSpPr>
+            <a:spLocks noGrp="1"/>
+          </p:cNvSpPr>
+          <p:nvPr>
+            <p:ph type="title"/>
+          </p:nvPr>
+        </p:nvSpPr>
+        <p:spPr/>
+        <p:txBody>
+          <a:bodyPr/>
+          <a:lstStyle/>
+          <a:p>
+            <a:r>
+              <a:rPr lang="en-CA" smtClean="0"/>
+              <a:t>Live Demo!</a:t>
+            </a:r>
+            <a:endParaRPr lang="en-CA"/>
+          </a:p>
+        </p:txBody>
+      </p:sp>
+      <p:sp>
+        <p:nvSpPr>
+          <p:cNvPr id="3" name="Espace réservé du contenu 2"/>
+          <p:cNvSpPr>
+            <a:spLocks noGrp="1"/>
+          </p:cNvSpPr>
+          <p:nvPr>
+            <p:ph idx="1"/>
+          </p:nvPr>
+        </p:nvSpPr>
+        <p:spPr/>
+        <p:txBody>
+          <a:bodyPr anchor="ctr">
+            <a:normAutofit/>
+          </a:bodyPr>
+          <a:lstStyle/>
+          <a:p>
+            <a:pPr marL="0" indent="0" algn="ctr">
+              <a:buNone/>
+            </a:pPr>
+            <a:r>
+              <a:rPr lang="en-CA" sz="2000" smtClean="0">
+                <a:solidFill>
+                  <a:schemeClr val="bg1">
+                    <a:lumMod val="50000"/>
+                  </a:schemeClr>
+                </a:solidFill>
+              </a:rPr>
+              <a:t>(Please refer to the code sample located at gulp-presentation/example)</a:t>
+            </a:r>
+            <a:endParaRPr lang="en-CA" sz="2000">
+              <a:solidFill>
+                <a:schemeClr val="bg1">
+                  <a:lumMod val="50000"/>
+                </a:schemeClr>
+              </a:solidFill>
+            </a:endParaRPr>
+          </a:p>
+        </p:txBody>
+      </p:sp>
+    </p:spTree>
+    <p:extLst>
+      <p:ext uri="{BB962C8B-B14F-4D97-AF65-F5344CB8AC3E}">
+        <p14:creationId xmlns:p14="http://schemas.microsoft.com/office/powerpoint/2010/main" val="505003721"/>
+      </p:ext>
+    </p:extLst>
+  </p:cSld>
+  <p:clrMapOvr>
+    <a:masterClrMapping/>
+  </p:clrMapOvr>
+</p:sld>
+</file>
+
+<file path=ppt/slides/slide8.xml><?xml version="1.0" encoding="utf-8"?>
+<p:sld xmlns:a="http://schemas.openxmlformats.org/drawingml/2006/main" xmlns:r="http://schemas.openxmlformats.org/officeDocument/2006/relationships" xmlns:p="http://schemas.openxmlformats.org/presentationml/2006/main">
+  <p:cSld>
+    <p:spTree>
+      <p:nvGrpSpPr>
+        <p:cNvPr id="1" name=""/>
+        <p:cNvGrpSpPr/>
+        <p:nvPr/>
+      </p:nvGrpSpPr>
+      <p:grpSpPr>
+        <a:xfrm>
+          <a:off x="0" y="0"/>
+          <a:ext cx="0" cy="0"/>
+          <a:chOff x="0" y="0"/>
+          <a:chExt cx="0" cy="0"/>
+        </a:xfrm>
+      </p:grpSpPr>
+      <p:sp>
+        <p:nvSpPr>
+          <p:cNvPr id="2" name="Titre 1"/>
+          <p:cNvSpPr>
+            <a:spLocks noGrp="1"/>
+          </p:cNvSpPr>
+          <p:nvPr>
+            <p:ph type="title"/>
+          </p:nvPr>
+        </p:nvSpPr>
+        <p:spPr/>
+        <p:txBody>
+          <a:bodyPr/>
+          <a:lstStyle/>
+          <a:p>
+            <a:r>
+              <a:rPr lang="en-CA" smtClean="0"/>
+              <a:t>Conclusion</a:t>
+            </a:r>
+            <a:endParaRPr lang="en-CA"/>
+          </a:p>
+        </p:txBody>
+      </p:sp>
+      <p:sp>
+        <p:nvSpPr>
+          <p:cNvPr id="3" name="Espace réservé du contenu 2"/>
+          <p:cNvSpPr>
+            <a:spLocks noGrp="1"/>
+          </p:cNvSpPr>
+          <p:nvPr>
+            <p:ph idx="1"/>
+          </p:nvPr>
+        </p:nvSpPr>
+        <p:spPr/>
+        <p:txBody>
+          <a:bodyPr>
+            <a:normAutofit/>
+          </a:bodyPr>
+          <a:lstStyle/>
+          <a:p>
+            <a:r>
+              <a:rPr lang="en-CA" dirty="0" smtClean="0"/>
+              <a:t>I use Grunt, should I switch my to Gulp?</a:t>
+            </a:r>
+          </a:p>
+          <a:p>
+            <a:pPr lvl="1"/>
+            <a:r>
+              <a:rPr lang="en-CA" dirty="0" smtClean="0"/>
+              <a:t>Grunt is a viable task runner, don’t do unnecessary changes</a:t>
+            </a:r>
+          </a:p>
+          <a:p>
+            <a:r>
+              <a:rPr lang="en-CA" dirty="0" smtClean="0"/>
+              <a:t>Should I start a project with Gulp or Grunt?</a:t>
+            </a:r>
+          </a:p>
+          <a:p>
+            <a:pPr lvl="1"/>
+            <a:r>
+              <a:rPr lang="en-CA" dirty="0" smtClean="0"/>
+              <a:t>It depends on your preferences (code vs. </a:t>
+            </a:r>
+            <a:r>
+              <a:rPr lang="en-CA" dirty="0" err="1" smtClean="0"/>
+              <a:t>config</a:t>
+            </a:r>
+            <a:r>
+              <a:rPr lang="en-CA" dirty="0" smtClean="0"/>
+              <a:t>)</a:t>
+            </a:r>
+          </a:p>
+          <a:p>
+            <a:r>
+              <a:rPr lang="en-CA" dirty="0" smtClean="0"/>
+              <a:t>Should I learn Gulp</a:t>
+            </a:r>
+            <a:r>
+              <a:rPr lang="en-CA" dirty="0" smtClean="0"/>
+              <a:t>?</a:t>
+            </a:r>
+          </a:p>
+          <a:p>
+            <a:pPr lvl="1"/>
+            <a:r>
+              <a:rPr lang="en-CA" dirty="0" smtClean="0"/>
+              <a:t>You are likely to stumble on it in the future</a:t>
+            </a:r>
+          </a:p>
+          <a:p>
+            <a:pPr marL="457200" lvl="1" indent="0">
+              <a:buNone/>
+            </a:pPr>
+            <a:endParaRPr lang="en-CA" dirty="0" smtClean="0"/>
+          </a:p>
+          <a:p>
+            <a:pPr lvl="1"/>
+            <a:endParaRPr lang="en-CA" dirty="0"/>
+          </a:p>
+        </p:txBody>
+      </p:sp>
+      <p:sp>
+        <p:nvSpPr>
+          <p:cNvPr id="4" name="ZoneTexte 3"/>
+          <p:cNvSpPr txBox="1"/>
+          <p:nvPr/>
+        </p:nvSpPr>
+        <p:spPr>
+          <a:xfrm>
+            <a:off x="3854828" y="5116896"/>
+            <a:ext cx="4831972" cy="338554"/>
+          </a:xfrm>
+          <a:prstGeom prst="rect">
+            <a:avLst/>
+          </a:prstGeom>
+          <a:noFill/>
+        </p:spPr>
+        <p:txBody>
+          <a:bodyPr wrap="none" rtlCol="0">
+            <a:spAutoFit/>
+          </a:bodyPr>
+          <a:lstStyle/>
+          <a:p>
+            <a:pPr marL="0" lvl="1"/>
+            <a:r>
+              <a:rPr lang="en-CA" sz="1600" dirty="0">
+                <a:solidFill>
+                  <a:srgbClr val="7F7F7F"/>
+                </a:solidFill>
+              </a:rPr>
+              <a:t>Source: </a:t>
+            </a:r>
+            <a:r>
+              <a:rPr lang="en-US" sz="1600" dirty="0">
+                <a:solidFill>
+                  <a:srgbClr val="7F7F7F"/>
+                </a:solidFill>
+              </a:rPr>
+              <a:t>https://</a:t>
+            </a:r>
+            <a:r>
+              <a:rPr lang="en-US" sz="1600" dirty="0" err="1">
+                <a:solidFill>
+                  <a:srgbClr val="7F7F7F"/>
+                </a:solidFill>
+              </a:rPr>
+              <a:t>github.com</a:t>
+            </a:r>
+            <a:r>
+              <a:rPr lang="en-US" sz="1600" dirty="0">
+                <a:solidFill>
+                  <a:srgbClr val="7F7F7F"/>
+                </a:solidFill>
+              </a:rPr>
+              <a:t>/</a:t>
+            </a:r>
+            <a:r>
+              <a:rPr lang="en-US" sz="1600" dirty="0" err="1">
+                <a:solidFill>
+                  <a:srgbClr val="7F7F7F"/>
+                </a:solidFill>
+              </a:rPr>
+              <a:t>gcroteau</a:t>
+            </a:r>
+            <a:r>
+              <a:rPr lang="en-US" sz="1600" dirty="0">
+                <a:solidFill>
+                  <a:srgbClr val="7F7F7F"/>
+                </a:solidFill>
+              </a:rPr>
+              <a:t>/gulp-</a:t>
+            </a:r>
+            <a:r>
+              <a:rPr lang="en-US" sz="1600" dirty="0" smtClean="0">
+                <a:solidFill>
+                  <a:srgbClr val="7F7F7F"/>
+                </a:solidFill>
+              </a:rPr>
+              <a:t>presentation</a:t>
+            </a:r>
+            <a:endParaRPr lang="en-CA" sz="1600" dirty="0">
+              <a:solidFill>
+                <a:srgbClr val="7F7F7F"/>
+              </a:solidFill>
+            </a:endParaRPr>
+          </a:p>
+        </p:txBody>
+      </p:sp>
+    </p:spTree>
+    <p:extLst>
+      <p:ext uri="{BB962C8B-B14F-4D97-AF65-F5344CB8AC3E}">
+        <p14:creationId xmlns:p14="http://schemas.microsoft.com/office/powerpoint/2010/main" val="70458531"/>
       </p:ext>
     </p:extLst>
   </p:cSld>
